--- a/ESP32_venkovni_teplomer_tmp117_ThingSpeak/ESP32_venkovni_teplomer_tmp117_ThingSpeak.pptx
+++ b/ESP32_venkovni_teplomer_tmp117_ThingSpeak/ESP32_venkovni_teplomer_tmp117_ThingSpeak.pptx
@@ -6,6 +6,7 @@
   </p:sldMasterIdLst>
   <p:sldIdLst>
     <p:sldId id="256" r:id="rId3"/>
+    <p:sldId id="257" r:id="rId4"/>
   </p:sldIdLst>
   <p:sldSz cx="10080625" cy="5670550"/>
   <p:notesSz cx="7772400" cy="10058400"/>
@@ -63,7 +64,7 @@
         <p:txBody>
           <a:bodyPr/>
           <a:p>
-            <a:fld id="{CA46F817-70AE-44B4-9AC9-CF6501526B84}" type="slidenum">
+            <a:fld id="{5B50454B-835F-4813-8DCB-DA4F6DB2FC9D}" type="slidenum">
               <a:t>&lt;#&gt;</a:t>
             </a:fld>
           </a:p>
@@ -125,7 +126,7 @@
         <p:spPr>
           <a:xfrm>
             <a:off x="504000" y="226080"/>
-            <a:ext cx="9071280" cy="946080"/>
+            <a:ext cx="9072000" cy="946440"/>
           </a:xfrm>
           <a:prstGeom prst="rect">
             <a:avLst/>
@@ -272,7 +273,7 @@
         <p:txBody>
           <a:bodyPr/>
           <a:p>
-            <a:fld id="{DD40F388-88F5-4F9B-BA57-FCEAF202F50A}" type="slidenum">
+            <a:fld id="{71D74C84-16DB-4416-A508-5BF44EED128E}" type="slidenum">
               <a:t>&lt;#&gt;</a:t>
             </a:fld>
           </a:p>
@@ -334,7 +335,7 @@
         <p:spPr>
           <a:xfrm>
             <a:off x="504000" y="226080"/>
-            <a:ext cx="9071280" cy="946080"/>
+            <a:ext cx="9072000" cy="946440"/>
           </a:xfrm>
           <a:prstGeom prst="rect">
             <a:avLst/>
@@ -567,7 +568,7 @@
         <p:txBody>
           <a:bodyPr/>
           <a:p>
-            <a:fld id="{BB5A3BBE-C511-4C05-BD86-9D0C3A58E7CB}" type="slidenum">
+            <a:fld id="{38C36221-BF91-4A6B-981E-8015577FC873}" type="slidenum">
               <a:t>&lt;#&gt;</a:t>
             </a:fld>
           </a:p>
@@ -629,7 +630,7 @@
         <p:spPr>
           <a:xfrm>
             <a:off x="504000" y="226080"/>
-            <a:ext cx="9071280" cy="946080"/>
+            <a:ext cx="9072000" cy="946440"/>
           </a:xfrm>
           <a:prstGeom prst="rect">
             <a:avLst/>
@@ -948,7 +949,7 @@
         <p:txBody>
           <a:bodyPr/>
           <a:p>
-            <a:fld id="{09062727-C67C-4367-8868-9E306B0789CC}" type="slidenum">
+            <a:fld id="{4BC2A880-7437-4B6C-98AF-DB76C46123DE}" type="slidenum">
               <a:t>&lt;#&gt;</a:t>
             </a:fld>
           </a:p>
@@ -1010,7 +1011,7 @@
         <p:spPr>
           <a:xfrm>
             <a:off x="504000" y="226080"/>
-            <a:ext cx="9071280" cy="946080"/>
+            <a:ext cx="9072000" cy="946440"/>
           </a:xfrm>
           <a:prstGeom prst="rect">
             <a:avLst/>
@@ -1111,7 +1112,7 @@
         <p:txBody>
           <a:bodyPr/>
           <a:p>
-            <a:fld id="{2E0C5915-6008-4D4E-BC21-6C52D0EDDAE1}" type="slidenum">
+            <a:fld id="{97D4BD19-80D7-43B4-8EB0-5E19A9FBAB95}" type="slidenum">
               <a:t>&lt;#&gt;</a:t>
             </a:fld>
           </a:p>
@@ -1173,7 +1174,7 @@
         <p:spPr>
           <a:xfrm>
             <a:off x="504000" y="226080"/>
-            <a:ext cx="9071280" cy="946080"/>
+            <a:ext cx="9072000" cy="946440"/>
           </a:xfrm>
           <a:prstGeom prst="rect">
             <a:avLst/>
@@ -1277,7 +1278,7 @@
         <p:txBody>
           <a:bodyPr/>
           <a:p>
-            <a:fld id="{278FFBB2-F5EE-4136-9D31-FCA0786A2A11}" type="slidenum">
+            <a:fld id="{749A8FE5-C503-45A4-9209-1D5BD4BFDF1F}" type="slidenum">
               <a:t>&lt;#&gt;</a:t>
             </a:fld>
           </a:p>
@@ -1339,7 +1340,7 @@
         <p:spPr>
           <a:xfrm>
             <a:off x="504000" y="226080"/>
-            <a:ext cx="9071280" cy="946080"/>
+            <a:ext cx="9072000" cy="946440"/>
           </a:xfrm>
           <a:prstGeom prst="rect">
             <a:avLst/>
@@ -1486,7 +1487,7 @@
         <p:txBody>
           <a:bodyPr/>
           <a:p>
-            <a:fld id="{4210D082-0A14-437C-8C11-38B0B4EB146C}" type="slidenum">
+            <a:fld id="{C58DBE4D-75C0-466D-86F9-512AFA2C6D4C}" type="slidenum">
               <a:t>&lt;#&gt;</a:t>
             </a:fld>
           </a:p>
@@ -1548,7 +1549,7 @@
         <p:spPr>
           <a:xfrm>
             <a:off x="504000" y="226080"/>
-            <a:ext cx="9071280" cy="946080"/>
+            <a:ext cx="9072000" cy="946440"/>
           </a:xfrm>
           <a:prstGeom prst="rect">
             <a:avLst/>
@@ -1609,7 +1610,7 @@
         <p:txBody>
           <a:bodyPr/>
           <a:p>
-            <a:fld id="{7BE0B2E4-9E28-4E11-9053-11CA4F7CE5B0}" type="slidenum">
+            <a:fld id="{8D85E075-2CF2-4C27-A8D4-A26E88C970ED}" type="slidenum">
               <a:t>&lt;#&gt;</a:t>
             </a:fld>
           </a:p>
@@ -1671,7 +1672,7 @@
         <p:spPr>
           <a:xfrm>
             <a:off x="504000" y="226080"/>
-            <a:ext cx="9071280" cy="4386600"/>
+            <a:ext cx="9072000" cy="4388400"/>
           </a:xfrm>
           <a:prstGeom prst="rect">
             <a:avLst/>
@@ -1730,7 +1731,7 @@
         <p:txBody>
           <a:bodyPr/>
           <a:p>
-            <a:fld id="{CE90D446-7F45-4151-95D6-978A7C9F8282}" type="slidenum">
+            <a:fld id="{153C4153-EBF3-430F-99B9-9E11092690A9}" type="slidenum">
               <a:t>&lt;#&gt;</a:t>
             </a:fld>
           </a:p>
@@ -1792,7 +1793,7 @@
         <p:spPr>
           <a:xfrm>
             <a:off x="504000" y="226080"/>
-            <a:ext cx="9071280" cy="946080"/>
+            <a:ext cx="9072000" cy="946440"/>
           </a:xfrm>
           <a:prstGeom prst="rect">
             <a:avLst/>
@@ -1982,7 +1983,7 @@
         <p:txBody>
           <a:bodyPr/>
           <a:p>
-            <a:fld id="{4D62B9D4-9AC1-4FDE-B08A-2B6EEABD10CA}" type="slidenum">
+            <a:fld id="{144E1A16-59D4-4F18-B7F2-13DAC188F55E}" type="slidenum">
               <a:t>&lt;#&gt;</a:t>
             </a:fld>
           </a:p>
@@ -2044,7 +2045,7 @@
         <p:spPr>
           <a:xfrm>
             <a:off x="504000" y="226080"/>
-            <a:ext cx="9071280" cy="946080"/>
+            <a:ext cx="9072000" cy="946440"/>
           </a:xfrm>
           <a:prstGeom prst="rect">
             <a:avLst/>
@@ -2234,7 +2235,7 @@
         <p:txBody>
           <a:bodyPr/>
           <a:p>
-            <a:fld id="{654F29B0-FE87-4B0C-A2C1-649FD547802F}" type="slidenum">
+            <a:fld id="{AC18292A-F012-44F9-8B23-7C0EEB683E91}" type="slidenum">
               <a:t>&lt;#&gt;</a:t>
             </a:fld>
           </a:p>
@@ -2296,7 +2297,7 @@
         <p:spPr>
           <a:xfrm>
             <a:off x="504000" y="226080"/>
-            <a:ext cx="9071280" cy="946080"/>
+            <a:ext cx="9072000" cy="946440"/>
           </a:xfrm>
           <a:prstGeom prst="rect">
             <a:avLst/>
@@ -2486,7 +2487,7 @@
         <p:txBody>
           <a:bodyPr/>
           <a:p>
-            <a:fld id="{8EE57E3B-F85D-44DB-A80E-CC2319C07A4B}" type="slidenum">
+            <a:fld id="{36ED2C5B-95DE-429E-843C-D8B71C697555}" type="slidenum">
               <a:t>&lt;#&gt;</a:t>
             </a:fld>
           </a:p>
@@ -2542,62 +2543,13 @@
             <a:spLocks noGrp="1"/>
           </p:cNvSpPr>
           <p:nvPr>
-            <p:ph type="title"/>
-          </p:nvPr>
-        </p:nvSpPr>
-        <p:spPr>
-          <a:xfrm>
-            <a:off x="504000" y="226080"/>
-            <a:ext cx="9071280" cy="946080"/>
-          </a:xfrm>
-          <a:prstGeom prst="rect">
-            <a:avLst/>
-          </a:prstGeom>
-          <a:noFill/>
-          <a:ln w="0">
-            <a:noFill/>
-          </a:ln>
-        </p:spPr>
-        <p:txBody>
-          <a:bodyPr lIns="0" rIns="0" tIns="0" bIns="0" anchor="ctr">
-            <a:noAutofit/>
-          </a:bodyPr>
-          <a:p>
-            <a:pPr indent="0">
-              <a:buNone/>
-            </a:pPr>
-            <a:r>
-              <a:rPr b="0" lang="en-US" sz="1800" spc="-1" strike="noStrike">
-                <a:solidFill>
-                  <a:srgbClr val="000000"/>
-                </a:solidFill>
-                <a:latin typeface="Arial"/>
-              </a:rPr>
-              <a:t>Click to edit the title text format</a:t>
-            </a:r>
-            <a:endParaRPr b="0" lang="en-US" sz="1800" spc="-1" strike="noStrike">
-              <a:solidFill>
-                <a:srgbClr val="000000"/>
-              </a:solidFill>
-              <a:latin typeface="Arial"/>
-            </a:endParaRPr>
-          </a:p>
-        </p:txBody>
-      </p:sp>
-      <p:sp>
-        <p:nvSpPr>
-          <p:cNvPr id="1" name="PlaceHolder 2"/>
-          <p:cNvSpPr>
-            <a:spLocks noGrp="1"/>
-          </p:cNvSpPr>
-          <p:nvPr>
             <p:ph type="ftr" idx="1"/>
           </p:nvPr>
         </p:nvSpPr>
         <p:spPr>
           <a:xfrm>
             <a:off x="3447360" y="5165280"/>
-            <a:ext cx="3194640" cy="390240"/>
+            <a:ext cx="3193920" cy="389520"/>
           </a:xfrm>
           <a:prstGeom prst="rect">
             <a:avLst/>
@@ -2645,7 +2597,7 @@
                 </a:solidFill>
                 <a:latin typeface="Times New Roman"/>
               </a:rPr>
-              <a:t>&lt;footer&gt;</a:t>
+              <a:t> </a:t>
             </a:r>
             <a:endParaRPr b="0" lang="en-US" sz="1400" spc="-1" strike="noStrike">
               <a:solidFill>
@@ -2658,7 +2610,7 @@
       </p:sp>
       <p:sp>
         <p:nvSpPr>
-          <p:cNvPr id="2" name="PlaceHolder 3"/>
+          <p:cNvPr id="1" name="PlaceHolder 2"/>
           <p:cNvSpPr>
             <a:spLocks noGrp="1"/>
           </p:cNvSpPr>
@@ -2669,7 +2621,7 @@
         <p:spPr>
           <a:xfrm>
             <a:off x="7227360" y="5165280"/>
-            <a:ext cx="2347920" cy="390240"/>
+            <a:ext cx="2347200" cy="389520"/>
           </a:xfrm>
           <a:prstGeom prst="rect">
             <a:avLst/>
@@ -2710,14 +2662,14 @@
                 <a:tab algn="l" pos="0"/>
               </a:tabLst>
             </a:pPr>
-            <a:fld id="{CE630035-4ACC-4FC1-86F9-E2CF744A7052}" type="slidenum">
+            <a:fld id="{DF743857-4542-4005-B544-3A920A4B3F9E}" type="slidenum">
               <a:rPr b="0" lang="en-US" sz="1400" spc="-1" strike="noStrike">
                 <a:solidFill>
                   <a:srgbClr val="000000"/>
                 </a:solidFill>
                 <a:latin typeface="Times New Roman"/>
               </a:rPr>
-              <a:t>&lt;number&gt;</a:t>
+              <a:t>2</a:t>
             </a:fld>
             <a:endParaRPr b="0" lang="en-US" sz="1400" spc="-1" strike="noStrike">
               <a:solidFill>
@@ -2730,7 +2682,7 @@
       </p:sp>
       <p:sp>
         <p:nvSpPr>
-          <p:cNvPr id="3" name="PlaceHolder 4"/>
+          <p:cNvPr id="2" name="PlaceHolder 3"/>
           <p:cNvSpPr>
             <a:spLocks noGrp="1"/>
           </p:cNvSpPr>
@@ -2741,7 +2693,7 @@
         <p:spPr>
           <a:xfrm>
             <a:off x="504000" y="5165280"/>
-            <a:ext cx="2347920" cy="390240"/>
+            <a:ext cx="2347200" cy="389520"/>
           </a:xfrm>
           <a:prstGeom prst="rect">
             <a:avLst/>
@@ -2777,13 +2729,62 @@
                 </a:solidFill>
                 <a:latin typeface="Times New Roman"/>
               </a:rPr>
-              <a:t>&lt;date/time&gt;</a:t>
+              <a:t> </a:t>
             </a:r>
             <a:endParaRPr b="0" lang="en-US" sz="1400" spc="-1" strike="noStrike">
               <a:solidFill>
                 <a:srgbClr val="000000"/>
               </a:solidFill>
               <a:latin typeface="Times New Roman"/>
+            </a:endParaRPr>
+          </a:p>
+        </p:txBody>
+      </p:sp>
+      <p:sp>
+        <p:nvSpPr>
+          <p:cNvPr id="3" name="PlaceHolder 4"/>
+          <p:cNvSpPr>
+            <a:spLocks noGrp="1"/>
+          </p:cNvSpPr>
+          <p:nvPr>
+            <p:ph type="title"/>
+          </p:nvPr>
+        </p:nvSpPr>
+        <p:spPr>
+          <a:xfrm>
+            <a:off x="504000" y="226080"/>
+            <a:ext cx="9072000" cy="946440"/>
+          </a:xfrm>
+          <a:prstGeom prst="rect">
+            <a:avLst/>
+          </a:prstGeom>
+          <a:noFill/>
+          <a:ln w="0">
+            <a:noFill/>
+          </a:ln>
+        </p:spPr>
+        <p:txBody>
+          <a:bodyPr lIns="0" rIns="0" tIns="0" bIns="0" anchor="ctr">
+            <a:noAutofit/>
+          </a:bodyPr>
+          <a:p>
+            <a:pPr indent="0" algn="ctr">
+              <a:buNone/>
+            </a:pPr>
+            <a:r>
+              <a:rPr b="0" lang="en-US" sz="4400" spc="-1" strike="noStrike">
+                <a:solidFill>
+                  <a:srgbClr val="000000"/>
+                </a:solidFill>
+                <a:latin typeface="Arial"/>
+              </a:rPr>
+              <a:t>Click to edit the title text format</a:t>
+            </a:r>
+            <a:endParaRPr b="0" lang="en-US" sz="4400" spc="-1" strike="noStrike">
+              <a:solidFill>
+                <a:srgbClr val="000000"/>
+              </a:solidFill>
+              <a:latin typeface="Arial"/>
             </a:endParaRPr>
           </a:p>
         </p:txBody>
@@ -3050,245 +3051,9 @@
           <a:chExt cx="0" cy="0"/>
         </a:xfrm>
       </p:grpSpPr>
-      <p:sp>
-        <p:nvSpPr>
-          <p:cNvPr id="41" name=""/>
-          <p:cNvSpPr txBox="1"/>
-          <p:nvPr/>
-        </p:nvSpPr>
-        <p:spPr>
-          <a:xfrm>
-            <a:off x="228600" y="632520"/>
-            <a:ext cx="3603600" cy="1882080"/>
-          </a:xfrm>
-          <a:prstGeom prst="rect">
-            <a:avLst/>
-          </a:prstGeom>
-          <a:noFill/>
-          <a:ln w="0">
-            <a:noFill/>
-          </a:ln>
-        </p:spPr>
-        <p:txBody>
-          <a:bodyPr lIns="90000" rIns="90000" tIns="45000" bIns="45000" anchor="t">
-            <a:noAutofit/>
-          </a:bodyPr>
-          <a:p>
-            <a:r>
-              <a:rPr b="0" lang="en-US" sz="1800" spc="-1" strike="noStrike">
-                <a:solidFill>
-                  <a:srgbClr val="000000"/>
-                </a:solidFill>
-                <a:latin typeface="Arial"/>
-              </a:rPr>
-              <a:t>Pripojeni BMP280, </a:t>
-            </a:r>
-            <a:endParaRPr b="0" lang="en-US" sz="1800" spc="-1" strike="noStrike">
-              <a:solidFill>
-                <a:srgbClr val="000000"/>
-              </a:solidFill>
-              <a:latin typeface="Arial"/>
-            </a:endParaRPr>
-          </a:p>
-          <a:p>
-            <a:r>
-              <a:rPr b="0" lang="en-US" sz="1800" spc="-1" strike="noStrike">
-                <a:solidFill>
-                  <a:srgbClr val="000000"/>
-                </a:solidFill>
-                <a:latin typeface="Arial"/>
-              </a:rPr>
-              <a:t>TMP117</a:t>
-            </a:r>
-            <a:endParaRPr b="0" lang="en-US" sz="1800" spc="-1" strike="noStrike">
-              <a:solidFill>
-                <a:srgbClr val="000000"/>
-              </a:solidFill>
-              <a:latin typeface="Arial"/>
-            </a:endParaRPr>
-          </a:p>
-          <a:p>
-            <a:endParaRPr b="0" lang="en-US" sz="1800" spc="-1" strike="noStrike">
-              <a:solidFill>
-                <a:srgbClr val="000000"/>
-              </a:solidFill>
-              <a:latin typeface="Arial"/>
-            </a:endParaRPr>
-          </a:p>
-          <a:p>
-            <a:r>
-              <a:rPr b="0" lang="en-US" sz="1800" spc="-1" strike="noStrike">
-                <a:solidFill>
-                  <a:srgbClr val="000000"/>
-                </a:solidFill>
-                <a:latin typeface="Arial"/>
-              </a:rPr>
-              <a:t>P21 - I2C SLC – modry (TMP117)</a:t>
-            </a:r>
-            <a:endParaRPr b="0" lang="en-US" sz="1800" spc="-1" strike="noStrike">
-              <a:solidFill>
-                <a:srgbClr val="000000"/>
-              </a:solidFill>
-              <a:latin typeface="Arial"/>
-            </a:endParaRPr>
-          </a:p>
-          <a:p>
-            <a:r>
-              <a:rPr b="0" lang="en-US" sz="1800" spc="-1" strike="noStrike">
-                <a:solidFill>
-                  <a:srgbClr val="000000"/>
-                </a:solidFill>
-                <a:latin typeface="Arial"/>
-              </a:rPr>
-              <a:t>P22- I2C SDA - zluty(TMP117)</a:t>
-            </a:r>
-            <a:endParaRPr b="0" lang="en-US" sz="1800" spc="-1" strike="noStrike">
-              <a:solidFill>
-                <a:srgbClr val="000000"/>
-              </a:solidFill>
-              <a:latin typeface="Arial"/>
-            </a:endParaRPr>
-          </a:p>
-          <a:p>
-            <a:r>
-              <a:rPr b="0" lang="en-US" sz="1800" spc="-1" strike="noStrike">
-                <a:solidFill>
-                  <a:srgbClr val="000000"/>
-                </a:solidFill>
-                <a:latin typeface="Arial"/>
-              </a:rPr>
-              <a:t>GND – GND - cerny</a:t>
-            </a:r>
-            <a:endParaRPr b="0" lang="en-US" sz="1800" spc="-1" strike="noStrike">
-              <a:solidFill>
-                <a:srgbClr val="000000"/>
-              </a:solidFill>
-              <a:latin typeface="Arial"/>
-            </a:endParaRPr>
-          </a:p>
-          <a:p>
-            <a:r>
-              <a:rPr b="0" lang="en-US" sz="1800" spc="-1" strike="noStrike">
-                <a:solidFill>
-                  <a:srgbClr val="000000"/>
-                </a:solidFill>
-                <a:latin typeface="Arial"/>
-              </a:rPr>
-              <a:t>VIN – 3V3 - cerveny</a:t>
-            </a:r>
-            <a:endParaRPr b="0" lang="en-US" sz="1800" spc="-1" strike="noStrike">
-              <a:solidFill>
-                <a:srgbClr val="000000"/>
-              </a:solidFill>
-              <a:latin typeface="Arial"/>
-            </a:endParaRPr>
-          </a:p>
-        </p:txBody>
-      </p:sp>
-      <p:sp>
-        <p:nvSpPr>
-          <p:cNvPr id="42" name=""/>
-          <p:cNvSpPr txBox="1"/>
-          <p:nvPr/>
-        </p:nvSpPr>
-        <p:spPr>
-          <a:xfrm>
-            <a:off x="228600" y="3201840"/>
-            <a:ext cx="2105640" cy="1370160"/>
-          </a:xfrm>
-          <a:prstGeom prst="rect">
-            <a:avLst/>
-          </a:prstGeom>
-          <a:noFill/>
-          <a:ln w="0">
-            <a:noFill/>
-          </a:ln>
-        </p:spPr>
-        <p:txBody>
-          <a:bodyPr lIns="90000" rIns="90000" tIns="45000" bIns="45000" anchor="t">
-            <a:noAutofit/>
-          </a:bodyPr>
-          <a:p>
-            <a:r>
-              <a:rPr b="0" lang="en-US" sz="1800" spc="-1" strike="noStrike">
-                <a:solidFill>
-                  <a:srgbClr val="000000"/>
-                </a:solidFill>
-                <a:latin typeface="Arial"/>
-              </a:rPr>
-              <a:t>Pripojeni DS18B20</a:t>
-            </a:r>
-            <a:endParaRPr b="0" lang="en-US" sz="1800" spc="-1" strike="noStrike">
-              <a:solidFill>
-                <a:srgbClr val="000000"/>
-              </a:solidFill>
-              <a:latin typeface="Arial"/>
-            </a:endParaRPr>
-          </a:p>
-          <a:p>
-            <a:endParaRPr b="0" lang="en-US" sz="1800" spc="-1" strike="noStrike">
-              <a:solidFill>
-                <a:srgbClr val="000000"/>
-              </a:solidFill>
-              <a:latin typeface="Arial"/>
-            </a:endParaRPr>
-          </a:p>
-          <a:p>
-            <a:r>
-              <a:rPr b="0" lang="en-US" sz="1800" spc="-1" strike="noStrike">
-                <a:solidFill>
-                  <a:srgbClr val="000000"/>
-                </a:solidFill>
-                <a:latin typeface="Arial"/>
-              </a:rPr>
-              <a:t>Zluty – P25</a:t>
-            </a:r>
-            <a:endParaRPr b="0" lang="en-US" sz="1800" spc="-1" strike="noStrike">
-              <a:solidFill>
-                <a:srgbClr val="000000"/>
-              </a:solidFill>
-              <a:latin typeface="Arial"/>
-            </a:endParaRPr>
-          </a:p>
-          <a:p>
-            <a:r>
-              <a:rPr b="0" lang="en-US" sz="1800" spc="-1" strike="noStrike">
-                <a:solidFill>
-                  <a:srgbClr val="000000"/>
-                </a:solidFill>
-                <a:latin typeface="Arial"/>
-              </a:rPr>
-              <a:t>Oranzovy – 3V3</a:t>
-            </a:r>
-            <a:endParaRPr b="0" lang="en-US" sz="1800" spc="-1" strike="noStrike">
-              <a:solidFill>
-                <a:srgbClr val="000000"/>
-              </a:solidFill>
-              <a:latin typeface="Arial"/>
-            </a:endParaRPr>
-          </a:p>
-          <a:p>
-            <a:r>
-              <a:rPr b="0" lang="en-US" sz="1800" spc="-1" strike="noStrike">
-                <a:solidFill>
-                  <a:srgbClr val="000000"/>
-                </a:solidFill>
-                <a:latin typeface="Arial"/>
-              </a:rPr>
-              <a:t>Cerny - GND</a:t>
-            </a:r>
-            <a:endParaRPr b="0" lang="en-US" sz="1800" spc="-1" strike="noStrike">
-              <a:solidFill>
-                <a:srgbClr val="000000"/>
-              </a:solidFill>
-              <a:latin typeface="Arial"/>
-            </a:endParaRPr>
-          </a:p>
-        </p:txBody>
-      </p:sp>
       <p:pic>
         <p:nvPicPr>
-          <p:cNvPr id="43" name="" descr=""/>
+          <p:cNvPr id="41" name="" descr=""/>
           <p:cNvPicPr/>
           <p:nvPr/>
         </p:nvPicPr>
@@ -3299,7 +3064,7 @@
         <p:spPr>
           <a:xfrm>
             <a:off x="3832200" y="1600200"/>
-            <a:ext cx="6181920" cy="3818880"/>
+            <a:ext cx="6181200" cy="3818160"/>
           </a:xfrm>
           <a:prstGeom prst="rect">
             <a:avLst/>
@@ -3309,6 +3074,2017 @@
           </a:ln>
         </p:spPr>
       </p:pic>
+      <p:sp>
+        <p:nvSpPr>
+          <p:cNvPr id="42" name=""/>
+          <p:cNvSpPr/>
+          <p:nvPr/>
+        </p:nvSpPr>
+        <p:spPr>
+          <a:xfrm>
+            <a:off x="54360" y="279720"/>
+            <a:ext cx="3602880" cy="1881360"/>
+          </a:xfrm>
+          <a:prstGeom prst="rect">
+            <a:avLst/>
+          </a:prstGeom>
+          <a:noFill/>
+          <a:ln w="0">
+            <a:noFill/>
+          </a:ln>
+        </p:spPr>
+        <p:style>
+          <a:lnRef idx="0"/>
+          <a:fillRef idx="0"/>
+          <a:effectRef idx="0"/>
+          <a:fontRef idx="minor"/>
+        </p:style>
+        <p:txBody>
+          <a:bodyPr lIns="90000" rIns="90000" tIns="45000" bIns="45000" anchor="t">
+            <a:noAutofit/>
+          </a:bodyPr>
+          <a:p>
+            <a:pPr>
+              <a:lnSpc>
+                <a:spcPct val="100000"/>
+              </a:lnSpc>
+            </a:pPr>
+            <a:r>
+              <a:rPr b="0" lang="en-US" sz="1800" spc="-1" strike="noStrike" u="sng">
+                <a:solidFill>
+                  <a:srgbClr val="000000"/>
+                </a:solidFill>
+                <a:uFillTx/>
+                <a:latin typeface="Arial"/>
+                <a:ea typeface="DejaVu Sans"/>
+              </a:rPr>
+              <a:t>Pripojeni BMP280&amp; TMP117</a:t>
+            </a:r>
+            <a:endParaRPr b="0" lang="en-US" sz="1800" spc="-1" strike="noStrike">
+              <a:solidFill>
+                <a:srgbClr val="000000"/>
+              </a:solidFill>
+              <a:latin typeface="Arial"/>
+            </a:endParaRPr>
+          </a:p>
+          <a:p>
+            <a:pPr>
+              <a:lnSpc>
+                <a:spcPct val="100000"/>
+              </a:lnSpc>
+            </a:pPr>
+            <a:endParaRPr b="0" lang="en-US" sz="1800" spc="-1" strike="noStrike">
+              <a:solidFill>
+                <a:srgbClr val="000000"/>
+              </a:solidFill>
+              <a:latin typeface="Arial"/>
+            </a:endParaRPr>
+          </a:p>
+          <a:p>
+            <a:pPr>
+              <a:lnSpc>
+                <a:spcPct val="100000"/>
+              </a:lnSpc>
+            </a:pPr>
+            <a:r>
+              <a:rPr b="0" lang="en-US" sz="1800" spc="-1" strike="noStrike">
+                <a:solidFill>
+                  <a:srgbClr val="000000"/>
+                </a:solidFill>
+                <a:latin typeface="Arial"/>
+                <a:ea typeface="DejaVu Sans"/>
+              </a:rPr>
+              <a:t>P21 - I2C SLC – modry (TMP117)</a:t>
+            </a:r>
+            <a:endParaRPr b="0" lang="en-US" sz="1800" spc="-1" strike="noStrike">
+              <a:solidFill>
+                <a:srgbClr val="000000"/>
+              </a:solidFill>
+              <a:latin typeface="Arial"/>
+            </a:endParaRPr>
+          </a:p>
+          <a:p>
+            <a:pPr>
+              <a:lnSpc>
+                <a:spcPct val="100000"/>
+              </a:lnSpc>
+            </a:pPr>
+            <a:r>
+              <a:rPr b="0" lang="en-US" sz="1800" spc="-1" strike="noStrike">
+                <a:solidFill>
+                  <a:srgbClr val="000000"/>
+                </a:solidFill>
+                <a:latin typeface="Arial"/>
+                <a:ea typeface="DejaVu Sans"/>
+              </a:rPr>
+              <a:t>	</a:t>
+            </a:r>
+            <a:r>
+              <a:rPr b="0" lang="en-US" sz="1800" spc="-1" strike="noStrike">
+                <a:solidFill>
+                  <a:srgbClr val="000000"/>
+                </a:solidFill>
+                <a:latin typeface="Arial"/>
+                <a:ea typeface="DejaVu Sans"/>
+              </a:rPr>
+              <a:t>zeleny(BMP280)</a:t>
+            </a:r>
+            <a:endParaRPr b="0" lang="en-US" sz="1800" spc="-1" strike="noStrike">
+              <a:solidFill>
+                <a:srgbClr val="000000"/>
+              </a:solidFill>
+              <a:latin typeface="Arial"/>
+            </a:endParaRPr>
+          </a:p>
+          <a:p>
+            <a:pPr>
+              <a:lnSpc>
+                <a:spcPct val="100000"/>
+              </a:lnSpc>
+            </a:pPr>
+            <a:r>
+              <a:rPr b="0" lang="en-US" sz="1800" spc="-1" strike="noStrike">
+                <a:solidFill>
+                  <a:srgbClr val="000000"/>
+                </a:solidFill>
+                <a:latin typeface="Arial"/>
+                <a:ea typeface="DejaVu Sans"/>
+              </a:rPr>
+              <a:t>P22- I2C SDA – zluty(TMP117)</a:t>
+            </a:r>
+            <a:endParaRPr b="0" lang="en-US" sz="1800" spc="-1" strike="noStrike">
+              <a:solidFill>
+                <a:srgbClr val="000000"/>
+              </a:solidFill>
+              <a:latin typeface="Arial"/>
+            </a:endParaRPr>
+          </a:p>
+          <a:p>
+            <a:pPr>
+              <a:lnSpc>
+                <a:spcPct val="100000"/>
+              </a:lnSpc>
+            </a:pPr>
+            <a:r>
+              <a:rPr b="0" lang="en-US" sz="1800" spc="-1" strike="noStrike">
+                <a:solidFill>
+                  <a:srgbClr val="000000"/>
+                </a:solidFill>
+                <a:latin typeface="Arial"/>
+                <a:ea typeface="DejaVu Sans"/>
+              </a:rPr>
+              <a:t>	</a:t>
+            </a:r>
+            <a:r>
+              <a:rPr b="0" lang="en-US" sz="1800" spc="-1" strike="noStrike">
+                <a:solidFill>
+                  <a:srgbClr val="000000"/>
+                </a:solidFill>
+                <a:latin typeface="Arial"/>
+                <a:ea typeface="DejaVu Sans"/>
+              </a:rPr>
+              <a:t>cerny(BMP280)</a:t>
+            </a:r>
+            <a:endParaRPr b="0" lang="en-US" sz="1800" spc="-1" strike="noStrike">
+              <a:solidFill>
+                <a:srgbClr val="000000"/>
+              </a:solidFill>
+              <a:latin typeface="Arial"/>
+            </a:endParaRPr>
+          </a:p>
+          <a:p>
+            <a:pPr>
+              <a:lnSpc>
+                <a:spcPct val="100000"/>
+              </a:lnSpc>
+            </a:pPr>
+            <a:r>
+              <a:rPr b="0" lang="en-US" sz="1800" spc="-1" strike="noStrike">
+                <a:solidFill>
+                  <a:srgbClr val="000000"/>
+                </a:solidFill>
+                <a:latin typeface="Arial"/>
+                <a:ea typeface="Microsoft YaHei"/>
+              </a:rPr>
+              <a:t>GND – GND – cerny </a:t>
+            </a:r>
+            <a:r>
+              <a:rPr b="0" lang="en-US" sz="1800" spc="-1" strike="noStrike">
+                <a:solidFill>
+                  <a:srgbClr val="000000"/>
+                </a:solidFill>
+                <a:latin typeface="Arial"/>
+                <a:ea typeface="DejaVu Sans"/>
+              </a:rPr>
+              <a:t>(TMP117)</a:t>
+            </a:r>
+            <a:endParaRPr b="0" lang="en-US" sz="1800" spc="-1" strike="noStrike">
+              <a:solidFill>
+                <a:srgbClr val="000000"/>
+              </a:solidFill>
+              <a:latin typeface="Arial"/>
+            </a:endParaRPr>
+          </a:p>
+          <a:p>
+            <a:pPr>
+              <a:lnSpc>
+                <a:spcPct val="100000"/>
+              </a:lnSpc>
+            </a:pPr>
+            <a:r>
+              <a:rPr b="0" lang="en-US" sz="1800" spc="-1" strike="noStrike">
+                <a:solidFill>
+                  <a:srgbClr val="000000"/>
+                </a:solidFill>
+                <a:latin typeface="Arial"/>
+                <a:ea typeface="DejaVu Sans"/>
+              </a:rPr>
+              <a:t>	</a:t>
+            </a:r>
+            <a:r>
+              <a:rPr b="0" lang="en-US" sz="1800" spc="-1" strike="noStrike">
+                <a:solidFill>
+                  <a:srgbClr val="000000"/>
+                </a:solidFill>
+                <a:latin typeface="Arial"/>
+                <a:ea typeface="DejaVu Sans"/>
+              </a:rPr>
+              <a:t>sedy?(BMP280)</a:t>
+            </a:r>
+            <a:endParaRPr b="0" lang="en-US" sz="1800" spc="-1" strike="noStrike">
+              <a:solidFill>
+                <a:srgbClr val="000000"/>
+              </a:solidFill>
+              <a:latin typeface="Arial"/>
+            </a:endParaRPr>
+          </a:p>
+          <a:p>
+            <a:pPr>
+              <a:lnSpc>
+                <a:spcPct val="100000"/>
+              </a:lnSpc>
+            </a:pPr>
+            <a:r>
+              <a:rPr b="0" lang="en-US" sz="1800" spc="-1" strike="noStrike">
+                <a:solidFill>
+                  <a:srgbClr val="000000"/>
+                </a:solidFill>
+                <a:latin typeface="Arial"/>
+                <a:ea typeface="Microsoft YaHei"/>
+              </a:rPr>
+              <a:t>VIN – 3V3 – cerveny </a:t>
+            </a:r>
+            <a:r>
+              <a:rPr b="0" lang="en-US" sz="1800" spc="-1" strike="noStrike">
+                <a:solidFill>
+                  <a:srgbClr val="000000"/>
+                </a:solidFill>
+                <a:latin typeface="Arial"/>
+                <a:ea typeface="DejaVu Sans"/>
+              </a:rPr>
+              <a:t>(TMP117)</a:t>
+            </a:r>
+            <a:endParaRPr b="0" lang="en-US" sz="1800" spc="-1" strike="noStrike">
+              <a:solidFill>
+                <a:srgbClr val="000000"/>
+              </a:solidFill>
+              <a:latin typeface="Arial"/>
+            </a:endParaRPr>
+          </a:p>
+          <a:p>
+            <a:pPr>
+              <a:lnSpc>
+                <a:spcPct val="100000"/>
+              </a:lnSpc>
+            </a:pPr>
+            <a:r>
+              <a:rPr b="0" lang="en-US" sz="1800" spc="-1" strike="noStrike">
+                <a:solidFill>
+                  <a:srgbClr val="000000"/>
+                </a:solidFill>
+                <a:latin typeface="Arial"/>
+                <a:ea typeface="DejaVu Sans"/>
+              </a:rPr>
+              <a:t>	</a:t>
+            </a:r>
+            <a:r>
+              <a:rPr b="0" lang="en-US" sz="1800" spc="-1" strike="noStrike">
+                <a:solidFill>
+                  <a:srgbClr val="000000"/>
+                </a:solidFill>
+                <a:latin typeface="Arial"/>
+                <a:ea typeface="DejaVu Sans"/>
+              </a:rPr>
+              <a:t>bily?(BMP280)</a:t>
+            </a:r>
+            <a:endParaRPr b="0" lang="en-US" sz="1800" spc="-1" strike="noStrike">
+              <a:solidFill>
+                <a:srgbClr val="000000"/>
+              </a:solidFill>
+              <a:latin typeface="Arial"/>
+            </a:endParaRPr>
+          </a:p>
+        </p:txBody>
+      </p:sp>
+      <p:sp>
+        <p:nvSpPr>
+          <p:cNvPr id="43" name=""/>
+          <p:cNvSpPr/>
+          <p:nvPr/>
+        </p:nvSpPr>
+        <p:spPr>
+          <a:xfrm>
+            <a:off x="180720" y="3429000"/>
+            <a:ext cx="2104920" cy="1369440"/>
+          </a:xfrm>
+          <a:prstGeom prst="rect">
+            <a:avLst/>
+          </a:prstGeom>
+          <a:noFill/>
+          <a:ln w="0">
+            <a:noFill/>
+          </a:ln>
+        </p:spPr>
+        <p:style>
+          <a:lnRef idx="0"/>
+          <a:fillRef idx="0"/>
+          <a:effectRef idx="0"/>
+          <a:fontRef idx="minor"/>
+        </p:style>
+        <p:txBody>
+          <a:bodyPr lIns="90000" rIns="90000" tIns="45000" bIns="45000" anchor="t">
+            <a:noAutofit/>
+          </a:bodyPr>
+          <a:p>
+            <a:pPr>
+              <a:lnSpc>
+                <a:spcPct val="100000"/>
+              </a:lnSpc>
+            </a:pPr>
+            <a:r>
+              <a:rPr b="0" lang="en-US" sz="1800" spc="-1" strike="noStrike" u="sng">
+                <a:solidFill>
+                  <a:srgbClr val="000000"/>
+                </a:solidFill>
+                <a:uFillTx/>
+                <a:latin typeface="Arial"/>
+                <a:ea typeface="DejaVu Sans"/>
+              </a:rPr>
+              <a:t>Pripojeni DS18B20</a:t>
+            </a:r>
+            <a:endParaRPr b="0" lang="en-US" sz="1800" spc="-1" strike="noStrike">
+              <a:solidFill>
+                <a:srgbClr val="000000"/>
+              </a:solidFill>
+              <a:latin typeface="Arial"/>
+            </a:endParaRPr>
+          </a:p>
+          <a:p>
+            <a:pPr>
+              <a:lnSpc>
+                <a:spcPct val="100000"/>
+              </a:lnSpc>
+            </a:pPr>
+            <a:endParaRPr b="0" lang="en-US" sz="1800" spc="-1" strike="noStrike">
+              <a:solidFill>
+                <a:srgbClr val="000000"/>
+              </a:solidFill>
+              <a:latin typeface="Arial"/>
+            </a:endParaRPr>
+          </a:p>
+          <a:p>
+            <a:pPr>
+              <a:lnSpc>
+                <a:spcPct val="100000"/>
+              </a:lnSpc>
+            </a:pPr>
+            <a:r>
+              <a:rPr b="0" lang="en-US" sz="1800" spc="-1" strike="noStrike">
+                <a:solidFill>
+                  <a:srgbClr val="000000"/>
+                </a:solidFill>
+                <a:latin typeface="Arial"/>
+                <a:ea typeface="DejaVu Sans"/>
+              </a:rPr>
+              <a:t>Zluty – P19</a:t>
+            </a:r>
+            <a:endParaRPr b="0" lang="en-US" sz="1800" spc="-1" strike="noStrike">
+              <a:solidFill>
+                <a:srgbClr val="000000"/>
+              </a:solidFill>
+              <a:latin typeface="Arial"/>
+            </a:endParaRPr>
+          </a:p>
+          <a:p>
+            <a:pPr>
+              <a:lnSpc>
+                <a:spcPct val="100000"/>
+              </a:lnSpc>
+            </a:pPr>
+            <a:r>
+              <a:rPr b="0" lang="en-US" sz="1800" spc="-1" strike="noStrike">
+                <a:solidFill>
+                  <a:srgbClr val="000000"/>
+                </a:solidFill>
+                <a:latin typeface="Arial"/>
+                <a:ea typeface="DejaVu Sans"/>
+              </a:rPr>
+              <a:t>Oranzovy – 3V3</a:t>
+            </a:r>
+            <a:endParaRPr b="0" lang="en-US" sz="1800" spc="-1" strike="noStrike">
+              <a:solidFill>
+                <a:srgbClr val="000000"/>
+              </a:solidFill>
+              <a:latin typeface="Arial"/>
+            </a:endParaRPr>
+          </a:p>
+          <a:p>
+            <a:pPr>
+              <a:lnSpc>
+                <a:spcPct val="100000"/>
+              </a:lnSpc>
+            </a:pPr>
+            <a:r>
+              <a:rPr b="0" lang="en-US" sz="1800" spc="-1" strike="noStrike">
+                <a:solidFill>
+                  <a:srgbClr val="000000"/>
+                </a:solidFill>
+                <a:latin typeface="Arial"/>
+                <a:ea typeface="DejaVu Sans"/>
+              </a:rPr>
+              <a:t>Cerny - GND</a:t>
+            </a:r>
+            <a:endParaRPr b="0" lang="en-US" sz="1800" spc="-1" strike="noStrike">
+              <a:solidFill>
+                <a:srgbClr val="000000"/>
+              </a:solidFill>
+              <a:latin typeface="Arial"/>
+            </a:endParaRPr>
+          </a:p>
+        </p:txBody>
+      </p:sp>
+      <p:sp>
+        <p:nvSpPr>
+          <p:cNvPr id="44" name=""/>
+          <p:cNvSpPr/>
+          <p:nvPr/>
+        </p:nvSpPr>
+        <p:spPr>
+          <a:xfrm>
+            <a:off x="8471880" y="2880000"/>
+            <a:ext cx="1408680" cy="245520"/>
+          </a:xfrm>
+          <a:prstGeom prst="rect">
+            <a:avLst/>
+          </a:prstGeom>
+          <a:noFill/>
+          <a:ln w="0">
+            <a:noFill/>
+          </a:ln>
+        </p:spPr>
+        <p:style>
+          <a:lnRef idx="0"/>
+          <a:fillRef idx="0"/>
+          <a:effectRef idx="0"/>
+          <a:fontRef idx="minor"/>
+        </p:style>
+        <p:txBody>
+          <a:bodyPr lIns="90000" rIns="90000" tIns="45000" bIns="45000" anchor="t">
+            <a:noAutofit/>
+          </a:bodyPr>
+          <a:p>
+            <a:pPr>
+              <a:lnSpc>
+                <a:spcPct val="100000"/>
+              </a:lnSpc>
+            </a:pPr>
+            <a:r>
+              <a:rPr b="0" lang="en-US" sz="1100" spc="-1" strike="noStrike">
+                <a:solidFill>
+                  <a:srgbClr val="000000"/>
+                </a:solidFill>
+                <a:latin typeface="Arial"/>
+              </a:rPr>
+              <a:t>P19 DS18B20 Zluty</a:t>
+            </a:r>
+            <a:endParaRPr b="0" lang="en-US" sz="1100" spc="-1" strike="noStrike">
+              <a:solidFill>
+                <a:srgbClr val="000000"/>
+              </a:solidFill>
+              <a:latin typeface="Arial"/>
+            </a:endParaRPr>
+          </a:p>
+        </p:txBody>
+      </p:sp>
+      <p:sp>
+        <p:nvSpPr>
+          <p:cNvPr id="45" name=""/>
+          <p:cNvSpPr/>
+          <p:nvPr/>
+        </p:nvSpPr>
+        <p:spPr>
+          <a:xfrm flipH="1" flipV="1">
+            <a:off x="8368200" y="2763360"/>
+            <a:ext cx="740880" cy="14400"/>
+          </a:xfrm>
+          <a:prstGeom prst="line">
+            <a:avLst/>
+          </a:prstGeom>
+          <a:ln w="0">
+            <a:solidFill>
+              <a:srgbClr val="3465a4"/>
+            </a:solidFill>
+            <a:tailEnd len="med" type="triangle" w="med"/>
+          </a:ln>
+        </p:spPr>
+        <p:style>
+          <a:lnRef idx="0"/>
+          <a:fillRef idx="0"/>
+          <a:effectRef idx="0"/>
+          <a:fontRef idx="minor"/>
+        </p:style>
+        <p:txBody>
+          <a:bodyPr lIns="90000" rIns="90000" tIns="7200" bIns="7200" anchor="ctr" anchorCtr="1">
+            <a:noAutofit/>
+          </a:bodyPr>
+          <a:p>
+            <a:endParaRPr b="0" lang="en-US" sz="1200" spc="-1" strike="noStrike">
+              <a:solidFill>
+                <a:srgbClr val="000000"/>
+              </a:solidFill>
+              <a:latin typeface="Arial"/>
+              <a:ea typeface="DejaVu Sans"/>
+            </a:endParaRPr>
+          </a:p>
+        </p:txBody>
+      </p:sp>
+      <p:sp>
+        <p:nvSpPr>
+          <p:cNvPr id="46" name=""/>
+          <p:cNvSpPr/>
+          <p:nvPr/>
+        </p:nvSpPr>
+        <p:spPr>
+          <a:xfrm flipH="1" flipV="1">
+            <a:off x="8375760" y="2225160"/>
+            <a:ext cx="740880" cy="14400"/>
+          </a:xfrm>
+          <a:prstGeom prst="line">
+            <a:avLst/>
+          </a:prstGeom>
+          <a:ln w="0">
+            <a:solidFill>
+              <a:srgbClr val="3465a4"/>
+            </a:solidFill>
+            <a:tailEnd len="med" type="triangle" w="med"/>
+          </a:ln>
+        </p:spPr>
+        <p:style>
+          <a:lnRef idx="0"/>
+          <a:fillRef idx="0"/>
+          <a:effectRef idx="0"/>
+          <a:fontRef idx="minor"/>
+        </p:style>
+        <p:txBody>
+          <a:bodyPr lIns="90000" rIns="90000" tIns="7200" bIns="7200" anchor="ctr" anchorCtr="1">
+            <a:noAutofit/>
+          </a:bodyPr>
+          <a:p>
+            <a:endParaRPr b="0" lang="en-US" sz="1200" spc="-1" strike="noStrike">
+              <a:solidFill>
+                <a:srgbClr val="000000"/>
+              </a:solidFill>
+              <a:latin typeface="Arial"/>
+              <a:ea typeface="DejaVu Sans"/>
+            </a:endParaRPr>
+          </a:p>
+        </p:txBody>
+      </p:sp>
+      <p:sp>
+        <p:nvSpPr>
+          <p:cNvPr id="47" name=""/>
+          <p:cNvSpPr/>
+          <p:nvPr/>
+        </p:nvSpPr>
+        <p:spPr>
+          <a:xfrm>
+            <a:off x="8493120" y="2517480"/>
+            <a:ext cx="428760" cy="245520"/>
+          </a:xfrm>
+          <a:prstGeom prst="rect">
+            <a:avLst/>
+          </a:prstGeom>
+          <a:noFill/>
+          <a:ln w="0">
+            <a:noFill/>
+          </a:ln>
+        </p:spPr>
+        <p:style>
+          <a:lnRef idx="0"/>
+          <a:fillRef idx="0"/>
+          <a:effectRef idx="0"/>
+          <a:fontRef idx="minor"/>
+        </p:style>
+        <p:txBody>
+          <a:bodyPr lIns="90000" rIns="90000" tIns="45000" bIns="45000" anchor="t">
+            <a:noAutofit/>
+          </a:bodyPr>
+          <a:p>
+            <a:pPr>
+              <a:lnSpc>
+                <a:spcPct val="100000"/>
+              </a:lnSpc>
+            </a:pPr>
+            <a:r>
+              <a:rPr b="0" lang="en-US" sz="1100" spc="-1" strike="noStrike">
+                <a:solidFill>
+                  <a:srgbClr val="000000"/>
+                </a:solidFill>
+                <a:latin typeface="Arial"/>
+              </a:rPr>
+              <a:t>P21</a:t>
+            </a:r>
+            <a:endParaRPr b="0" lang="en-US" sz="1100" spc="-1" strike="noStrike">
+              <a:solidFill>
+                <a:srgbClr val="000000"/>
+              </a:solidFill>
+              <a:latin typeface="Arial"/>
+            </a:endParaRPr>
+          </a:p>
+        </p:txBody>
+      </p:sp>
+      <p:sp>
+        <p:nvSpPr>
+          <p:cNvPr id="48" name=""/>
+          <p:cNvSpPr/>
+          <p:nvPr/>
+        </p:nvSpPr>
+        <p:spPr>
+          <a:xfrm>
+            <a:off x="8458200" y="1987920"/>
+            <a:ext cx="428760" cy="245520"/>
+          </a:xfrm>
+          <a:prstGeom prst="rect">
+            <a:avLst/>
+          </a:prstGeom>
+          <a:noFill/>
+          <a:ln w="0">
+            <a:noFill/>
+          </a:ln>
+        </p:spPr>
+        <p:style>
+          <a:lnRef idx="0"/>
+          <a:fillRef idx="0"/>
+          <a:effectRef idx="0"/>
+          <a:fontRef idx="minor"/>
+        </p:style>
+        <p:txBody>
+          <a:bodyPr lIns="90000" rIns="90000" tIns="45000" bIns="45000" anchor="t">
+            <a:noAutofit/>
+          </a:bodyPr>
+          <a:p>
+            <a:pPr>
+              <a:lnSpc>
+                <a:spcPct val="100000"/>
+              </a:lnSpc>
+            </a:pPr>
+            <a:r>
+              <a:rPr b="0" lang="en-US" sz="1100" spc="-1" strike="noStrike">
+                <a:solidFill>
+                  <a:srgbClr val="000000"/>
+                </a:solidFill>
+                <a:latin typeface="Arial"/>
+              </a:rPr>
+              <a:t>P22</a:t>
+            </a:r>
+            <a:endParaRPr b="0" lang="en-US" sz="1100" spc="-1" strike="noStrike">
+              <a:solidFill>
+                <a:srgbClr val="000000"/>
+              </a:solidFill>
+              <a:latin typeface="Arial"/>
+            </a:endParaRPr>
+          </a:p>
+        </p:txBody>
+      </p:sp>
+      <p:sp>
+        <p:nvSpPr>
+          <p:cNvPr id="49" name=""/>
+          <p:cNvSpPr/>
+          <p:nvPr/>
+        </p:nvSpPr>
+        <p:spPr>
+          <a:xfrm flipH="1" flipV="1">
+            <a:off x="8354520" y="3111480"/>
+            <a:ext cx="740880" cy="14400"/>
+          </a:xfrm>
+          <a:prstGeom prst="line">
+            <a:avLst/>
+          </a:prstGeom>
+          <a:ln w="0">
+            <a:solidFill>
+              <a:srgbClr val="3465a4"/>
+            </a:solidFill>
+            <a:tailEnd len="med" type="triangle" w="med"/>
+          </a:ln>
+        </p:spPr>
+        <p:style>
+          <a:lnRef idx="0"/>
+          <a:fillRef idx="0"/>
+          <a:effectRef idx="0"/>
+          <a:fontRef idx="minor"/>
+        </p:style>
+        <p:txBody>
+          <a:bodyPr lIns="90000" rIns="90000" tIns="7200" bIns="7200" anchor="ctr" anchorCtr="1">
+            <a:noAutofit/>
+          </a:bodyPr>
+          <a:p>
+            <a:endParaRPr b="0" lang="en-US" sz="1200" spc="-1" strike="noStrike">
+              <a:solidFill>
+                <a:srgbClr val="000000"/>
+              </a:solidFill>
+              <a:latin typeface="Arial"/>
+              <a:ea typeface="DejaVu Sans"/>
+            </a:endParaRPr>
+          </a:p>
+        </p:txBody>
+      </p:sp>
+    </p:spTree>
+  </p:cSld>
+  <mc:AlternateContent>
+    <mc:Choice Requires="p14">
+      <p:transition spd="slow" p14:dur="2000"/>
+    </mc:Choice>
+    <mc:Fallback>
+      <p:transition spd="slow"/>
+    </mc:Fallback>
+  </mc:AlternateContent>
+</p:sld>
+</file>
+
+<file path=ppt/slides/slide2.xml><?xml version="1.0" encoding="utf-8"?>
+<p:sld xmlns:a="http://schemas.openxmlformats.org/drawingml/2006/main" xmlns:p="http://schemas.openxmlformats.org/presentationml/2006/main" xmlns:r="http://schemas.openxmlformats.org/officeDocument/2006/relationships" xmlns:p14="http://schemas.microsoft.com/office/powerpoint/2010/main" xmlns:p15="http://schemas.microsoft.com/office/powerpoint/2012/main" xmlns:mc="http://schemas.openxmlformats.org/markup-compatibility/2006">
+  <p:cSld>
+    <p:spTree>
+      <p:nvGrpSpPr>
+        <p:cNvPr id="1" name=""/>
+        <p:cNvGrpSpPr/>
+        <p:nvPr/>
+      </p:nvGrpSpPr>
+      <p:grpSpPr>
+        <a:xfrm>
+          <a:off x="0" y="0"/>
+          <a:ext cx="0" cy="0"/>
+          <a:chOff x="0" y="0"/>
+          <a:chExt cx="0" cy="0"/>
+        </a:xfrm>
+      </p:grpSpPr>
+      <p:sp>
+        <p:nvSpPr>
+          <p:cNvPr id="50" name=""/>
+          <p:cNvSpPr/>
+          <p:nvPr/>
+        </p:nvSpPr>
+        <p:spPr>
+          <a:xfrm>
+            <a:off x="699840" y="228240"/>
+            <a:ext cx="1771560" cy="5465160"/>
+          </a:xfrm>
+          <a:prstGeom prst="rect">
+            <a:avLst/>
+          </a:prstGeom>
+          <a:noFill/>
+          <a:ln w="0">
+            <a:noFill/>
+          </a:ln>
+        </p:spPr>
+        <p:style>
+          <a:lnRef idx="0"/>
+          <a:fillRef idx="0"/>
+          <a:effectRef idx="0"/>
+          <a:fontRef idx="minor"/>
+        </p:style>
+        <p:txBody>
+          <a:bodyPr lIns="90000" rIns="90000" tIns="45000" bIns="45000" anchor="t">
+            <a:noAutofit/>
+          </a:bodyPr>
+          <a:p>
+            <a:pPr>
+              <a:lnSpc>
+                <a:spcPct val="100000"/>
+              </a:lnSpc>
+            </a:pPr>
+            <a:r>
+              <a:rPr b="0" lang="en-US" sz="1200" spc="-1" strike="noStrike">
+                <a:solidFill>
+                  <a:srgbClr val="000000"/>
+                </a:solidFill>
+                <a:latin typeface="Arial"/>
+              </a:rPr>
+              <a:t>Svorkovnice</a:t>
+            </a:r>
+            <a:endParaRPr b="0" lang="en-US" sz="1200" spc="-1" strike="noStrike">
+              <a:solidFill>
+                <a:srgbClr val="000000"/>
+              </a:solidFill>
+              <a:latin typeface="Arial"/>
+            </a:endParaRPr>
+          </a:p>
+          <a:p>
+            <a:pPr>
+              <a:lnSpc>
+                <a:spcPct val="100000"/>
+              </a:lnSpc>
+            </a:pPr>
+            <a:endParaRPr b="0" lang="en-US" sz="1200" spc="-1" strike="noStrike">
+              <a:solidFill>
+                <a:srgbClr val="000000"/>
+              </a:solidFill>
+              <a:latin typeface="Arial"/>
+            </a:endParaRPr>
+          </a:p>
+          <a:p>
+            <a:pPr>
+              <a:lnSpc>
+                <a:spcPct val="100000"/>
+              </a:lnSpc>
+            </a:pPr>
+            <a:endParaRPr b="0" lang="en-US" sz="1800" spc="-1" strike="noStrike">
+              <a:solidFill>
+                <a:srgbClr val="000000"/>
+              </a:solidFill>
+              <a:latin typeface="Arial"/>
+            </a:endParaRPr>
+          </a:p>
+          <a:p>
+            <a:pPr>
+              <a:lnSpc>
+                <a:spcPct val="100000"/>
+              </a:lnSpc>
+            </a:pPr>
+            <a:endParaRPr b="0" lang="en-US" sz="1800" spc="-1" strike="noStrike">
+              <a:solidFill>
+                <a:srgbClr val="000000"/>
+              </a:solidFill>
+              <a:latin typeface="Arial"/>
+            </a:endParaRPr>
+          </a:p>
+          <a:p>
+            <a:pPr>
+              <a:lnSpc>
+                <a:spcPct val="100000"/>
+              </a:lnSpc>
+            </a:pPr>
+            <a:endParaRPr b="0" lang="en-US" sz="1800" spc="-1" strike="noStrike">
+              <a:solidFill>
+                <a:srgbClr val="000000"/>
+              </a:solidFill>
+              <a:latin typeface="Arial"/>
+            </a:endParaRPr>
+          </a:p>
+          <a:p>
+            <a:pPr>
+              <a:lnSpc>
+                <a:spcPct val="100000"/>
+              </a:lnSpc>
+            </a:pPr>
+            <a:endParaRPr b="0" lang="en-US" sz="1800" spc="-1" strike="noStrike">
+              <a:solidFill>
+                <a:srgbClr val="000000"/>
+              </a:solidFill>
+              <a:latin typeface="Arial"/>
+            </a:endParaRPr>
+          </a:p>
+          <a:p>
+            <a:pPr>
+              <a:lnSpc>
+                <a:spcPct val="100000"/>
+              </a:lnSpc>
+            </a:pPr>
+            <a:endParaRPr b="0" lang="en-US" sz="1200" spc="-1" strike="noStrike">
+              <a:solidFill>
+                <a:srgbClr val="000000"/>
+              </a:solidFill>
+              <a:latin typeface="Arial"/>
+            </a:endParaRPr>
+          </a:p>
+        </p:txBody>
+      </p:sp>
+      <p:pic>
+        <p:nvPicPr>
+          <p:cNvPr id="51" name="" descr=""/>
+          <p:cNvPicPr/>
+          <p:nvPr/>
+        </p:nvPicPr>
+        <p:blipFill>
+          <a:blip r:embed="rId1"/>
+          <a:stretch/>
+        </p:blipFill>
+        <p:spPr>
+          <a:xfrm>
+            <a:off x="1473840" y="1248120"/>
+            <a:ext cx="5564160" cy="3314880"/>
+          </a:xfrm>
+          <a:prstGeom prst="rect">
+            <a:avLst/>
+          </a:prstGeom>
+          <a:ln w="0">
+            <a:noFill/>
+          </a:ln>
+        </p:spPr>
+      </p:pic>
+      <p:sp>
+        <p:nvSpPr>
+          <p:cNvPr id="52" name=""/>
+          <p:cNvSpPr/>
+          <p:nvPr/>
+        </p:nvSpPr>
+        <p:spPr>
+          <a:xfrm>
+            <a:off x="1635120" y="2341440"/>
+            <a:ext cx="983520" cy="325440"/>
+          </a:xfrm>
+          <a:prstGeom prst="rect">
+            <a:avLst/>
+          </a:prstGeom>
+          <a:solidFill>
+            <a:srgbClr val="00a933"/>
+          </a:solidFill>
+          <a:ln w="0">
+            <a:solidFill>
+              <a:srgbClr val="254061"/>
+            </a:solidFill>
+          </a:ln>
+        </p:spPr>
+        <p:style>
+          <a:lnRef idx="0"/>
+          <a:fillRef idx="0"/>
+          <a:effectRef idx="0"/>
+          <a:fontRef idx="minor"/>
+        </p:style>
+        <p:txBody>
+          <a:bodyPr lIns="90000" rIns="90000" tIns="45000" bIns="45000" anchor="ctr">
+            <a:noAutofit/>
+          </a:bodyPr>
+          <a:p>
+            <a:endParaRPr b="0" lang="en-US" sz="1800" spc="-1" strike="noStrike">
+              <a:solidFill>
+                <a:srgbClr val="000000"/>
+              </a:solidFill>
+              <a:latin typeface="Arial"/>
+            </a:endParaRPr>
+          </a:p>
+        </p:txBody>
+      </p:sp>
+      <p:sp>
+        <p:nvSpPr>
+          <p:cNvPr id="53" name=""/>
+          <p:cNvSpPr/>
+          <p:nvPr/>
+        </p:nvSpPr>
+        <p:spPr>
+          <a:xfrm>
+            <a:off x="1635120" y="1967400"/>
+            <a:ext cx="498600" cy="325440"/>
+          </a:xfrm>
+          <a:prstGeom prst="rect">
+            <a:avLst/>
+          </a:prstGeom>
+          <a:solidFill>
+            <a:srgbClr val="00a933"/>
+          </a:solidFill>
+          <a:ln w="0">
+            <a:solidFill>
+              <a:srgbClr val="254061"/>
+            </a:solidFill>
+          </a:ln>
+        </p:spPr>
+        <p:style>
+          <a:lnRef idx="0"/>
+          <a:fillRef idx="0"/>
+          <a:effectRef idx="0"/>
+          <a:fontRef idx="minor"/>
+        </p:style>
+        <p:txBody>
+          <a:bodyPr lIns="90000" rIns="90000" tIns="45000" bIns="45000" anchor="ctr">
+            <a:noAutofit/>
+          </a:bodyPr>
+          <a:p>
+            <a:endParaRPr b="0" lang="en-US" sz="1800" spc="-1" strike="noStrike">
+              <a:solidFill>
+                <a:srgbClr val="000000"/>
+              </a:solidFill>
+              <a:latin typeface="Arial"/>
+            </a:endParaRPr>
+          </a:p>
+        </p:txBody>
+      </p:sp>
+      <p:sp>
+        <p:nvSpPr>
+          <p:cNvPr id="54" name=""/>
+          <p:cNvSpPr/>
+          <p:nvPr/>
+        </p:nvSpPr>
+        <p:spPr>
+          <a:xfrm>
+            <a:off x="1635120" y="2057400"/>
+            <a:ext cx="180000" cy="180000"/>
+          </a:xfrm>
+          <a:prstGeom prst="ellipse">
+            <a:avLst/>
+          </a:prstGeom>
+          <a:solidFill>
+            <a:schemeClr val="accent1"/>
+          </a:solidFill>
+          <a:ln w="0">
+            <a:solidFill>
+              <a:srgbClr val="254061"/>
+            </a:solidFill>
+          </a:ln>
+        </p:spPr>
+        <p:style>
+          <a:lnRef idx="0"/>
+          <a:fillRef idx="0"/>
+          <a:effectRef idx="0"/>
+          <a:fontRef idx="minor"/>
+        </p:style>
+        <p:txBody>
+          <a:bodyPr lIns="90000" rIns="90000" tIns="90000" bIns="90000" anchor="ctr">
+            <a:noAutofit/>
+          </a:bodyPr>
+          <a:p>
+            <a:endParaRPr b="0" lang="en-US" sz="1800" spc="-1" strike="noStrike">
+              <a:solidFill>
+                <a:srgbClr val="000000"/>
+              </a:solidFill>
+              <a:latin typeface="Arial"/>
+            </a:endParaRPr>
+          </a:p>
+        </p:txBody>
+      </p:sp>
+      <p:sp>
+        <p:nvSpPr>
+          <p:cNvPr id="55" name=""/>
+          <p:cNvSpPr/>
+          <p:nvPr/>
+        </p:nvSpPr>
+        <p:spPr>
+          <a:xfrm>
+            <a:off x="1905120" y="2064960"/>
+            <a:ext cx="180000" cy="180000"/>
+          </a:xfrm>
+          <a:prstGeom prst="ellipse">
+            <a:avLst/>
+          </a:prstGeom>
+          <a:solidFill>
+            <a:schemeClr val="accent1"/>
+          </a:solidFill>
+          <a:ln w="0">
+            <a:solidFill>
+              <a:srgbClr val="254061"/>
+            </a:solidFill>
+          </a:ln>
+        </p:spPr>
+        <p:style>
+          <a:lnRef idx="0"/>
+          <a:fillRef idx="0"/>
+          <a:effectRef idx="0"/>
+          <a:fontRef idx="minor"/>
+        </p:style>
+        <p:txBody>
+          <a:bodyPr lIns="90000" rIns="90000" tIns="90000" bIns="90000" anchor="ctr">
+            <a:noAutofit/>
+          </a:bodyPr>
+          <a:p>
+            <a:endParaRPr b="0" lang="en-US" sz="1800" spc="-1" strike="noStrike">
+              <a:solidFill>
+                <a:srgbClr val="000000"/>
+              </a:solidFill>
+              <a:latin typeface="Arial"/>
+            </a:endParaRPr>
+          </a:p>
+        </p:txBody>
+      </p:sp>
+      <p:sp>
+        <p:nvSpPr>
+          <p:cNvPr id="56" name=""/>
+          <p:cNvSpPr/>
+          <p:nvPr/>
+        </p:nvSpPr>
+        <p:spPr>
+          <a:xfrm>
+            <a:off x="2369520" y="2425680"/>
+            <a:ext cx="180000" cy="180000"/>
+          </a:xfrm>
+          <a:prstGeom prst="ellipse">
+            <a:avLst/>
+          </a:prstGeom>
+          <a:solidFill>
+            <a:schemeClr val="accent1"/>
+          </a:solidFill>
+          <a:ln w="0">
+            <a:solidFill>
+              <a:srgbClr val="254061"/>
+            </a:solidFill>
+          </a:ln>
+        </p:spPr>
+        <p:style>
+          <a:lnRef idx="0"/>
+          <a:fillRef idx="0"/>
+          <a:effectRef idx="0"/>
+          <a:fontRef idx="minor"/>
+        </p:style>
+        <p:txBody>
+          <a:bodyPr lIns="90000" rIns="90000" tIns="90000" bIns="90000" anchor="ctr">
+            <a:noAutofit/>
+          </a:bodyPr>
+          <a:p>
+            <a:endParaRPr b="0" lang="en-US" sz="1800" spc="-1" strike="noStrike">
+              <a:solidFill>
+                <a:srgbClr val="000000"/>
+              </a:solidFill>
+              <a:latin typeface="Arial"/>
+            </a:endParaRPr>
+          </a:p>
+        </p:txBody>
+      </p:sp>
+      <p:sp>
+        <p:nvSpPr>
+          <p:cNvPr id="57" name=""/>
+          <p:cNvSpPr/>
+          <p:nvPr/>
+        </p:nvSpPr>
+        <p:spPr>
+          <a:xfrm>
+            <a:off x="2050920" y="2412360"/>
+            <a:ext cx="180000" cy="180000"/>
+          </a:xfrm>
+          <a:prstGeom prst="ellipse">
+            <a:avLst/>
+          </a:prstGeom>
+          <a:solidFill>
+            <a:schemeClr val="accent1"/>
+          </a:solidFill>
+          <a:ln w="0">
+            <a:solidFill>
+              <a:srgbClr val="254061"/>
+            </a:solidFill>
+          </a:ln>
+        </p:spPr>
+        <p:style>
+          <a:lnRef idx="0"/>
+          <a:fillRef idx="0"/>
+          <a:effectRef idx="0"/>
+          <a:fontRef idx="minor"/>
+        </p:style>
+        <p:txBody>
+          <a:bodyPr lIns="90000" rIns="90000" tIns="90000" bIns="90000" anchor="ctr">
+            <a:noAutofit/>
+          </a:bodyPr>
+          <a:p>
+            <a:endParaRPr b="0" lang="en-US" sz="1800" spc="-1" strike="noStrike">
+              <a:solidFill>
+                <a:srgbClr val="000000"/>
+              </a:solidFill>
+              <a:latin typeface="Arial"/>
+            </a:endParaRPr>
+          </a:p>
+        </p:txBody>
+      </p:sp>
+      <p:sp>
+        <p:nvSpPr>
+          <p:cNvPr id="58" name=""/>
+          <p:cNvSpPr/>
+          <p:nvPr/>
+        </p:nvSpPr>
+        <p:spPr>
+          <a:xfrm>
+            <a:off x="1677240" y="2426400"/>
+            <a:ext cx="180000" cy="180000"/>
+          </a:xfrm>
+          <a:prstGeom prst="ellipse">
+            <a:avLst/>
+          </a:prstGeom>
+          <a:solidFill>
+            <a:schemeClr val="accent1"/>
+          </a:solidFill>
+          <a:ln w="0">
+            <a:solidFill>
+              <a:srgbClr val="254061"/>
+            </a:solidFill>
+          </a:ln>
+        </p:spPr>
+        <p:style>
+          <a:lnRef idx="0"/>
+          <a:fillRef idx="0"/>
+          <a:effectRef idx="0"/>
+          <a:fontRef idx="minor"/>
+        </p:style>
+        <p:txBody>
+          <a:bodyPr lIns="90000" rIns="90000" tIns="90000" bIns="90000" anchor="ctr">
+            <a:noAutofit/>
+          </a:bodyPr>
+          <a:p>
+            <a:endParaRPr b="0" lang="en-US" sz="1800" spc="-1" strike="noStrike">
+              <a:solidFill>
+                <a:srgbClr val="000000"/>
+              </a:solidFill>
+              <a:latin typeface="Arial"/>
+            </a:endParaRPr>
+          </a:p>
+        </p:txBody>
+      </p:sp>
+      <p:sp>
+        <p:nvSpPr>
+          <p:cNvPr id="59" name=""/>
+          <p:cNvSpPr txBox="1"/>
+          <p:nvPr/>
+        </p:nvSpPr>
+        <p:spPr>
+          <a:xfrm>
+            <a:off x="1473840" y="1621080"/>
+            <a:ext cx="773640" cy="316080"/>
+          </a:xfrm>
+          <a:prstGeom prst="rect">
+            <a:avLst/>
+          </a:prstGeom>
+          <a:solidFill>
+            <a:srgbClr val="ffff00"/>
+          </a:solidFill>
+          <a:ln w="0">
+            <a:noFill/>
+          </a:ln>
+        </p:spPr>
+        <p:txBody>
+          <a:bodyPr lIns="90000" rIns="90000" tIns="45000" bIns="45000" anchor="t">
+            <a:noAutofit/>
+          </a:bodyPr>
+          <a:p>
+            <a:r>
+              <a:rPr b="0" lang="en-US" sz="1600" spc="-1" strike="noStrike">
+                <a:solidFill>
+                  <a:srgbClr val="000000"/>
+                </a:solidFill>
+                <a:latin typeface="Arial"/>
+              </a:rPr>
+              <a:t>+  P19</a:t>
+            </a:r>
+            <a:endParaRPr b="0" lang="en-US" sz="1600" spc="-1" strike="noStrike">
+              <a:solidFill>
+                <a:srgbClr val="000000"/>
+              </a:solidFill>
+              <a:latin typeface="Arial"/>
+            </a:endParaRPr>
+          </a:p>
+        </p:txBody>
+      </p:sp>
+      <p:sp>
+        <p:nvSpPr>
+          <p:cNvPr id="60" name=""/>
+          <p:cNvSpPr txBox="1"/>
+          <p:nvPr/>
+        </p:nvSpPr>
+        <p:spPr>
+          <a:xfrm>
+            <a:off x="1591920" y="2658600"/>
+            <a:ext cx="1098000" cy="288720"/>
+          </a:xfrm>
+          <a:prstGeom prst="rect">
+            <a:avLst/>
+          </a:prstGeom>
+          <a:solidFill>
+            <a:srgbClr val="ffff00"/>
+          </a:solidFill>
+          <a:ln w="0">
+            <a:noFill/>
+          </a:ln>
+        </p:spPr>
+        <p:txBody>
+          <a:bodyPr lIns="90000" rIns="90000" tIns="45000" bIns="45000" anchor="t">
+            <a:noAutofit/>
+          </a:bodyPr>
+          <a:p>
+            <a:r>
+              <a:rPr b="0" lang="en-US" sz="1400" spc="-1" strike="noStrike">
+                <a:solidFill>
+                  <a:srgbClr val="000000"/>
+                </a:solidFill>
+                <a:latin typeface="Arial"/>
+              </a:rPr>
+              <a:t>+    P19     -</a:t>
+            </a:r>
+            <a:endParaRPr b="0" lang="en-US" sz="1400" spc="-1" strike="noStrike">
+              <a:solidFill>
+                <a:srgbClr val="000000"/>
+              </a:solidFill>
+              <a:latin typeface="Arial"/>
+            </a:endParaRPr>
+          </a:p>
+        </p:txBody>
+      </p:sp>
+      <p:sp>
+        <p:nvSpPr>
+          <p:cNvPr id="61" name=""/>
+          <p:cNvSpPr/>
+          <p:nvPr/>
+        </p:nvSpPr>
+        <p:spPr>
+          <a:xfrm>
+            <a:off x="1625760" y="3121920"/>
+            <a:ext cx="180000" cy="180000"/>
+          </a:xfrm>
+          <a:prstGeom prst="ellipse">
+            <a:avLst/>
+          </a:prstGeom>
+          <a:solidFill>
+            <a:schemeClr val="accent1"/>
+          </a:solidFill>
+          <a:ln w="36720">
+            <a:solidFill>
+              <a:srgbClr val="ffff00"/>
+            </a:solidFill>
+            <a:round/>
+          </a:ln>
+        </p:spPr>
+        <p:style>
+          <a:lnRef idx="0"/>
+          <a:fillRef idx="0"/>
+          <a:effectRef idx="0"/>
+          <a:fontRef idx="minor"/>
+        </p:style>
+        <p:txBody>
+          <a:bodyPr lIns="108360" rIns="108360" tIns="126720" bIns="126720" anchor="ctr">
+            <a:noAutofit/>
+          </a:bodyPr>
+          <a:p>
+            <a:endParaRPr b="0" lang="en-US" sz="1800" spc="-1" strike="noStrike">
+              <a:solidFill>
+                <a:srgbClr val="000000"/>
+              </a:solidFill>
+              <a:latin typeface="Arial"/>
+            </a:endParaRPr>
+          </a:p>
+        </p:txBody>
+      </p:sp>
+      <p:sp>
+        <p:nvSpPr>
+          <p:cNvPr id="62" name=""/>
+          <p:cNvSpPr/>
+          <p:nvPr/>
+        </p:nvSpPr>
+        <p:spPr>
+          <a:xfrm>
+            <a:off x="1620000" y="3399120"/>
+            <a:ext cx="180000" cy="180000"/>
+          </a:xfrm>
+          <a:prstGeom prst="ellipse">
+            <a:avLst/>
+          </a:prstGeom>
+          <a:solidFill>
+            <a:schemeClr val="accent1"/>
+          </a:solidFill>
+          <a:ln w="36720">
+            <a:solidFill>
+              <a:srgbClr val="ffff00"/>
+            </a:solidFill>
+            <a:round/>
+          </a:ln>
+        </p:spPr>
+        <p:style>
+          <a:lnRef idx="0"/>
+          <a:fillRef idx="0"/>
+          <a:effectRef idx="0"/>
+          <a:fontRef idx="minor"/>
+        </p:style>
+        <p:txBody>
+          <a:bodyPr lIns="108360" rIns="108360" tIns="126720" bIns="126720" anchor="ctr">
+            <a:noAutofit/>
+          </a:bodyPr>
+          <a:p>
+            <a:endParaRPr b="0" lang="en-US" sz="1800" spc="-1" strike="noStrike">
+              <a:solidFill>
+                <a:srgbClr val="000000"/>
+              </a:solidFill>
+              <a:latin typeface="Arial"/>
+            </a:endParaRPr>
+          </a:p>
+        </p:txBody>
+      </p:sp>
+      <p:sp>
+        <p:nvSpPr>
+          <p:cNvPr id="63" name=""/>
+          <p:cNvSpPr/>
+          <p:nvPr/>
+        </p:nvSpPr>
+        <p:spPr>
+          <a:xfrm>
+            <a:off x="1627200" y="3628080"/>
+            <a:ext cx="180000" cy="180000"/>
+          </a:xfrm>
+          <a:prstGeom prst="ellipse">
+            <a:avLst/>
+          </a:prstGeom>
+          <a:solidFill>
+            <a:schemeClr val="accent1"/>
+          </a:solidFill>
+          <a:ln w="36720">
+            <a:solidFill>
+              <a:srgbClr val="ffff00"/>
+            </a:solidFill>
+            <a:round/>
+          </a:ln>
+        </p:spPr>
+        <p:style>
+          <a:lnRef idx="0"/>
+          <a:fillRef idx="0"/>
+          <a:effectRef idx="0"/>
+          <a:fontRef idx="minor"/>
+        </p:style>
+        <p:txBody>
+          <a:bodyPr lIns="108360" rIns="108360" tIns="126720" bIns="126720" anchor="ctr">
+            <a:noAutofit/>
+          </a:bodyPr>
+          <a:p>
+            <a:endParaRPr b="0" lang="en-US" sz="1800" spc="-1" strike="noStrike">
+              <a:solidFill>
+                <a:srgbClr val="000000"/>
+              </a:solidFill>
+              <a:latin typeface="Arial"/>
+            </a:endParaRPr>
+          </a:p>
+        </p:txBody>
+      </p:sp>
+      <p:sp>
+        <p:nvSpPr>
+          <p:cNvPr id="64" name=""/>
+          <p:cNvSpPr/>
+          <p:nvPr/>
+        </p:nvSpPr>
+        <p:spPr>
+          <a:xfrm>
+            <a:off x="1627560" y="3884400"/>
+            <a:ext cx="180000" cy="180000"/>
+          </a:xfrm>
+          <a:prstGeom prst="ellipse">
+            <a:avLst/>
+          </a:prstGeom>
+          <a:solidFill>
+            <a:schemeClr val="accent1"/>
+          </a:solidFill>
+          <a:ln w="36720">
+            <a:solidFill>
+              <a:srgbClr val="ffff00"/>
+            </a:solidFill>
+            <a:round/>
+          </a:ln>
+        </p:spPr>
+        <p:style>
+          <a:lnRef idx="0"/>
+          <a:fillRef idx="0"/>
+          <a:effectRef idx="0"/>
+          <a:fontRef idx="minor"/>
+        </p:style>
+        <p:txBody>
+          <a:bodyPr lIns="108360" rIns="108360" tIns="126720" bIns="126720" anchor="ctr">
+            <a:noAutofit/>
+          </a:bodyPr>
+          <a:p>
+            <a:endParaRPr b="0" lang="en-US" sz="1800" spc="-1" strike="noStrike">
+              <a:solidFill>
+                <a:srgbClr val="000000"/>
+              </a:solidFill>
+              <a:latin typeface="Arial"/>
+            </a:endParaRPr>
+          </a:p>
+        </p:txBody>
+      </p:sp>
+      <p:sp>
+        <p:nvSpPr>
+          <p:cNvPr id="65" name=""/>
+          <p:cNvSpPr/>
+          <p:nvPr/>
+        </p:nvSpPr>
+        <p:spPr>
+          <a:xfrm>
+            <a:off x="2360880" y="3121920"/>
+            <a:ext cx="180000" cy="180000"/>
+          </a:xfrm>
+          <a:prstGeom prst="ellipse">
+            <a:avLst/>
+          </a:prstGeom>
+          <a:solidFill>
+            <a:schemeClr val="accent1"/>
+          </a:solidFill>
+          <a:ln w="36720">
+            <a:solidFill>
+              <a:srgbClr val="ffff00"/>
+            </a:solidFill>
+            <a:round/>
+          </a:ln>
+        </p:spPr>
+        <p:style>
+          <a:lnRef idx="0"/>
+          <a:fillRef idx="0"/>
+          <a:effectRef idx="0"/>
+          <a:fontRef idx="minor"/>
+        </p:style>
+        <p:txBody>
+          <a:bodyPr lIns="108360" rIns="108360" tIns="126720" bIns="126720" anchor="ctr">
+            <a:noAutofit/>
+          </a:bodyPr>
+          <a:p>
+            <a:endParaRPr b="0" lang="en-US" sz="1800" spc="-1" strike="noStrike">
+              <a:solidFill>
+                <a:srgbClr val="000000"/>
+              </a:solidFill>
+              <a:latin typeface="Arial"/>
+            </a:endParaRPr>
+          </a:p>
+        </p:txBody>
+      </p:sp>
+      <p:sp>
+        <p:nvSpPr>
+          <p:cNvPr id="66" name=""/>
+          <p:cNvSpPr/>
+          <p:nvPr/>
+        </p:nvSpPr>
+        <p:spPr>
+          <a:xfrm>
+            <a:off x="2355120" y="3399120"/>
+            <a:ext cx="180000" cy="180000"/>
+          </a:xfrm>
+          <a:prstGeom prst="ellipse">
+            <a:avLst/>
+          </a:prstGeom>
+          <a:solidFill>
+            <a:schemeClr val="accent1"/>
+          </a:solidFill>
+          <a:ln w="36720">
+            <a:solidFill>
+              <a:srgbClr val="ffff00"/>
+            </a:solidFill>
+            <a:round/>
+          </a:ln>
+        </p:spPr>
+        <p:style>
+          <a:lnRef idx="0"/>
+          <a:fillRef idx="0"/>
+          <a:effectRef idx="0"/>
+          <a:fontRef idx="minor"/>
+        </p:style>
+        <p:txBody>
+          <a:bodyPr lIns="108360" rIns="108360" tIns="126720" bIns="126720" anchor="ctr">
+            <a:noAutofit/>
+          </a:bodyPr>
+          <a:p>
+            <a:endParaRPr b="0" lang="en-US" sz="1800" spc="-1" strike="noStrike">
+              <a:solidFill>
+                <a:srgbClr val="000000"/>
+              </a:solidFill>
+              <a:latin typeface="Arial"/>
+            </a:endParaRPr>
+          </a:p>
+        </p:txBody>
+      </p:sp>
+      <p:sp>
+        <p:nvSpPr>
+          <p:cNvPr id="67" name=""/>
+          <p:cNvSpPr/>
+          <p:nvPr/>
+        </p:nvSpPr>
+        <p:spPr>
+          <a:xfrm>
+            <a:off x="2362320" y="3628080"/>
+            <a:ext cx="180000" cy="180000"/>
+          </a:xfrm>
+          <a:prstGeom prst="ellipse">
+            <a:avLst/>
+          </a:prstGeom>
+          <a:solidFill>
+            <a:schemeClr val="accent1"/>
+          </a:solidFill>
+          <a:ln w="36720">
+            <a:solidFill>
+              <a:srgbClr val="ffff00"/>
+            </a:solidFill>
+            <a:round/>
+          </a:ln>
+        </p:spPr>
+        <p:style>
+          <a:lnRef idx="0"/>
+          <a:fillRef idx="0"/>
+          <a:effectRef idx="0"/>
+          <a:fontRef idx="minor"/>
+        </p:style>
+        <p:txBody>
+          <a:bodyPr lIns="108360" rIns="108360" tIns="126720" bIns="126720" anchor="ctr">
+            <a:noAutofit/>
+          </a:bodyPr>
+          <a:p>
+            <a:endParaRPr b="0" lang="en-US" sz="1800" spc="-1" strike="noStrike">
+              <a:solidFill>
+                <a:srgbClr val="000000"/>
+              </a:solidFill>
+              <a:latin typeface="Arial"/>
+            </a:endParaRPr>
+          </a:p>
+        </p:txBody>
+      </p:sp>
+      <p:sp>
+        <p:nvSpPr>
+          <p:cNvPr id="68" name=""/>
+          <p:cNvSpPr/>
+          <p:nvPr/>
+        </p:nvSpPr>
+        <p:spPr>
+          <a:xfrm>
+            <a:off x="2362680" y="3884400"/>
+            <a:ext cx="180000" cy="180000"/>
+          </a:xfrm>
+          <a:prstGeom prst="ellipse">
+            <a:avLst/>
+          </a:prstGeom>
+          <a:solidFill>
+            <a:schemeClr val="accent1"/>
+          </a:solidFill>
+          <a:ln w="36720">
+            <a:solidFill>
+              <a:srgbClr val="ffff00"/>
+            </a:solidFill>
+            <a:round/>
+          </a:ln>
+        </p:spPr>
+        <p:style>
+          <a:lnRef idx="0"/>
+          <a:fillRef idx="0"/>
+          <a:effectRef idx="0"/>
+          <a:fontRef idx="minor"/>
+        </p:style>
+        <p:txBody>
+          <a:bodyPr lIns="108360" rIns="108360" tIns="126720" bIns="126720" anchor="ctr">
+            <a:noAutofit/>
+          </a:bodyPr>
+          <a:p>
+            <a:endParaRPr b="0" lang="en-US" sz="1800" spc="-1" strike="noStrike">
+              <a:solidFill>
+                <a:srgbClr val="000000"/>
+              </a:solidFill>
+              <a:latin typeface="Arial"/>
+            </a:endParaRPr>
+          </a:p>
+        </p:txBody>
+      </p:sp>
+      <p:sp>
+        <p:nvSpPr>
+          <p:cNvPr id="69" name=""/>
+          <p:cNvSpPr txBox="1"/>
+          <p:nvPr/>
+        </p:nvSpPr>
+        <p:spPr>
+          <a:xfrm>
+            <a:off x="1114200" y="3387600"/>
+            <a:ext cx="465480" cy="304560"/>
+          </a:xfrm>
+          <a:prstGeom prst="rect">
+            <a:avLst/>
+          </a:prstGeom>
+          <a:solidFill>
+            <a:srgbClr val="ffff00"/>
+          </a:solidFill>
+          <a:ln w="0">
+            <a:noFill/>
+          </a:ln>
+        </p:spPr>
+        <p:txBody>
+          <a:bodyPr lIns="90000" rIns="90000" tIns="45000" bIns="45000" anchor="t">
+            <a:noAutofit/>
+          </a:bodyPr>
+          <a:p>
+            <a:r>
+              <a:rPr b="0" lang="en-US" sz="1400" spc="-1" strike="noStrike">
+                <a:solidFill>
+                  <a:srgbClr val="000000"/>
+                </a:solidFill>
+                <a:latin typeface="Arial"/>
+              </a:rPr>
+              <a:t>21</a:t>
+            </a:r>
+            <a:endParaRPr b="0" lang="en-US" sz="1400" spc="-1" strike="noStrike">
+              <a:solidFill>
+                <a:srgbClr val="000000"/>
+              </a:solidFill>
+              <a:latin typeface="Arial"/>
+            </a:endParaRPr>
+          </a:p>
+        </p:txBody>
+      </p:sp>
+      <p:sp>
+        <p:nvSpPr>
+          <p:cNvPr id="70" name=""/>
+          <p:cNvSpPr txBox="1"/>
+          <p:nvPr/>
+        </p:nvSpPr>
+        <p:spPr>
+          <a:xfrm>
+            <a:off x="1114200" y="3083040"/>
+            <a:ext cx="465480" cy="304560"/>
+          </a:xfrm>
+          <a:prstGeom prst="rect">
+            <a:avLst/>
+          </a:prstGeom>
+          <a:solidFill>
+            <a:srgbClr val="ffff00"/>
+          </a:solidFill>
+          <a:ln w="0">
+            <a:noFill/>
+          </a:ln>
+        </p:spPr>
+        <p:txBody>
+          <a:bodyPr lIns="90000" rIns="90000" tIns="45000" bIns="45000" anchor="t">
+            <a:noAutofit/>
+          </a:bodyPr>
+          <a:p>
+            <a:r>
+              <a:rPr b="0" lang="en-US" sz="1400" spc="-1" strike="noStrike">
+                <a:solidFill>
+                  <a:srgbClr val="000000"/>
+                </a:solidFill>
+                <a:latin typeface="Arial"/>
+              </a:rPr>
+              <a:t>21</a:t>
+            </a:r>
+            <a:endParaRPr b="0" lang="en-US" sz="1400" spc="-1" strike="noStrike">
+              <a:solidFill>
+                <a:srgbClr val="000000"/>
+              </a:solidFill>
+              <a:latin typeface="Arial"/>
+            </a:endParaRPr>
+          </a:p>
+        </p:txBody>
+      </p:sp>
+      <p:sp>
+        <p:nvSpPr>
+          <p:cNvPr id="71" name=""/>
+          <p:cNvSpPr txBox="1"/>
+          <p:nvPr/>
+        </p:nvSpPr>
+        <p:spPr>
+          <a:xfrm>
+            <a:off x="1114560" y="3628080"/>
+            <a:ext cx="465480" cy="304560"/>
+          </a:xfrm>
+          <a:prstGeom prst="rect">
+            <a:avLst/>
+          </a:prstGeom>
+          <a:solidFill>
+            <a:srgbClr val="ffff00"/>
+          </a:solidFill>
+          <a:ln w="0">
+            <a:noFill/>
+          </a:ln>
+        </p:spPr>
+        <p:txBody>
+          <a:bodyPr lIns="90000" rIns="90000" tIns="45000" bIns="45000" anchor="t">
+            <a:noAutofit/>
+          </a:bodyPr>
+          <a:p>
+            <a:r>
+              <a:rPr b="0" lang="en-US" sz="1400" spc="-1" strike="noStrike">
+                <a:solidFill>
+                  <a:srgbClr val="000000"/>
+                </a:solidFill>
+                <a:latin typeface="Arial"/>
+              </a:rPr>
+              <a:t>-</a:t>
+            </a:r>
+            <a:endParaRPr b="0" lang="en-US" sz="1400" spc="-1" strike="noStrike">
+              <a:solidFill>
+                <a:srgbClr val="000000"/>
+              </a:solidFill>
+              <a:latin typeface="Arial"/>
+            </a:endParaRPr>
+          </a:p>
+        </p:txBody>
+      </p:sp>
+      <p:sp>
+        <p:nvSpPr>
+          <p:cNvPr id="72" name=""/>
+          <p:cNvSpPr txBox="1"/>
+          <p:nvPr/>
+        </p:nvSpPr>
+        <p:spPr>
+          <a:xfrm>
+            <a:off x="1114920" y="3884400"/>
+            <a:ext cx="465480" cy="304560"/>
+          </a:xfrm>
+          <a:prstGeom prst="rect">
+            <a:avLst/>
+          </a:prstGeom>
+          <a:solidFill>
+            <a:srgbClr val="ffff00"/>
+          </a:solidFill>
+          <a:ln w="0">
+            <a:noFill/>
+          </a:ln>
+        </p:spPr>
+        <p:txBody>
+          <a:bodyPr lIns="90000" rIns="90000" tIns="45000" bIns="45000" anchor="t">
+            <a:noAutofit/>
+          </a:bodyPr>
+          <a:p>
+            <a:r>
+              <a:rPr b="0" lang="en-US" sz="1400" spc="-1" strike="noStrike">
+                <a:solidFill>
+                  <a:srgbClr val="000000"/>
+                </a:solidFill>
+                <a:latin typeface="Arial"/>
+              </a:rPr>
+              <a:t>+</a:t>
+            </a:r>
+            <a:endParaRPr b="0" lang="en-US" sz="1400" spc="-1" strike="noStrike">
+              <a:solidFill>
+                <a:srgbClr val="000000"/>
+              </a:solidFill>
+              <a:latin typeface="Arial"/>
+            </a:endParaRPr>
+          </a:p>
+        </p:txBody>
+      </p:sp>
+      <p:sp>
+        <p:nvSpPr>
+          <p:cNvPr id="73" name=""/>
+          <p:cNvSpPr txBox="1"/>
+          <p:nvPr/>
+        </p:nvSpPr>
+        <p:spPr>
+          <a:xfrm>
+            <a:off x="2610720" y="3394440"/>
+            <a:ext cx="465480" cy="304560"/>
+          </a:xfrm>
+          <a:prstGeom prst="rect">
+            <a:avLst/>
+          </a:prstGeom>
+          <a:solidFill>
+            <a:srgbClr val="ffff00"/>
+          </a:solidFill>
+          <a:ln w="0">
+            <a:noFill/>
+          </a:ln>
+        </p:spPr>
+        <p:txBody>
+          <a:bodyPr lIns="90000" rIns="90000" tIns="45000" bIns="45000" anchor="t">
+            <a:noAutofit/>
+          </a:bodyPr>
+          <a:p>
+            <a:r>
+              <a:rPr b="0" lang="en-US" sz="1400" spc="-1" strike="noStrike">
+                <a:solidFill>
+                  <a:srgbClr val="000000"/>
+                </a:solidFill>
+                <a:latin typeface="Arial"/>
+              </a:rPr>
+              <a:t>21</a:t>
+            </a:r>
+            <a:endParaRPr b="0" lang="en-US" sz="1400" spc="-1" strike="noStrike">
+              <a:solidFill>
+                <a:srgbClr val="000000"/>
+              </a:solidFill>
+              <a:latin typeface="Arial"/>
+            </a:endParaRPr>
+          </a:p>
+        </p:txBody>
+      </p:sp>
+      <p:sp>
+        <p:nvSpPr>
+          <p:cNvPr id="74" name=""/>
+          <p:cNvSpPr txBox="1"/>
+          <p:nvPr/>
+        </p:nvSpPr>
+        <p:spPr>
+          <a:xfrm>
+            <a:off x="2610720" y="3089880"/>
+            <a:ext cx="465480" cy="304560"/>
+          </a:xfrm>
+          <a:prstGeom prst="rect">
+            <a:avLst/>
+          </a:prstGeom>
+          <a:solidFill>
+            <a:srgbClr val="ffff00"/>
+          </a:solidFill>
+          <a:ln w="0">
+            <a:noFill/>
+          </a:ln>
+        </p:spPr>
+        <p:txBody>
+          <a:bodyPr lIns="90000" rIns="90000" tIns="45000" bIns="45000" anchor="t">
+            <a:noAutofit/>
+          </a:bodyPr>
+          <a:p>
+            <a:r>
+              <a:rPr b="0" lang="en-US" sz="1400" spc="-1" strike="noStrike">
+                <a:solidFill>
+                  <a:srgbClr val="000000"/>
+                </a:solidFill>
+                <a:latin typeface="Arial"/>
+              </a:rPr>
+              <a:t>21</a:t>
+            </a:r>
+            <a:endParaRPr b="0" lang="en-US" sz="1400" spc="-1" strike="noStrike">
+              <a:solidFill>
+                <a:srgbClr val="000000"/>
+              </a:solidFill>
+              <a:latin typeface="Arial"/>
+            </a:endParaRPr>
+          </a:p>
+        </p:txBody>
+      </p:sp>
+      <p:sp>
+        <p:nvSpPr>
+          <p:cNvPr id="75" name=""/>
+          <p:cNvSpPr txBox="1"/>
+          <p:nvPr/>
+        </p:nvSpPr>
+        <p:spPr>
+          <a:xfrm>
+            <a:off x="2611080" y="3634920"/>
+            <a:ext cx="465480" cy="304560"/>
+          </a:xfrm>
+          <a:prstGeom prst="rect">
+            <a:avLst/>
+          </a:prstGeom>
+          <a:solidFill>
+            <a:srgbClr val="ffff00"/>
+          </a:solidFill>
+          <a:ln w="0">
+            <a:noFill/>
+          </a:ln>
+        </p:spPr>
+        <p:txBody>
+          <a:bodyPr lIns="90000" rIns="90000" tIns="45000" bIns="45000" anchor="t">
+            <a:noAutofit/>
+          </a:bodyPr>
+          <a:p>
+            <a:r>
+              <a:rPr b="0" lang="en-US" sz="1400" spc="-1" strike="noStrike">
+                <a:solidFill>
+                  <a:srgbClr val="000000"/>
+                </a:solidFill>
+                <a:latin typeface="Arial"/>
+              </a:rPr>
+              <a:t>-</a:t>
+            </a:r>
+            <a:endParaRPr b="0" lang="en-US" sz="1400" spc="-1" strike="noStrike">
+              <a:solidFill>
+                <a:srgbClr val="000000"/>
+              </a:solidFill>
+              <a:latin typeface="Arial"/>
+            </a:endParaRPr>
+          </a:p>
+        </p:txBody>
+      </p:sp>
+      <p:sp>
+        <p:nvSpPr>
+          <p:cNvPr id="76" name=""/>
+          <p:cNvSpPr txBox="1"/>
+          <p:nvPr/>
+        </p:nvSpPr>
+        <p:spPr>
+          <a:xfrm>
+            <a:off x="2611440" y="3891240"/>
+            <a:ext cx="465480" cy="304560"/>
+          </a:xfrm>
+          <a:prstGeom prst="rect">
+            <a:avLst/>
+          </a:prstGeom>
+          <a:solidFill>
+            <a:srgbClr val="ffff00"/>
+          </a:solidFill>
+          <a:ln w="0">
+            <a:noFill/>
+          </a:ln>
+        </p:spPr>
+        <p:txBody>
+          <a:bodyPr lIns="90000" rIns="90000" tIns="45000" bIns="45000" anchor="t">
+            <a:noAutofit/>
+          </a:bodyPr>
+          <a:p>
+            <a:r>
+              <a:rPr b="0" lang="en-US" sz="1400" spc="-1" strike="noStrike">
+                <a:solidFill>
+                  <a:srgbClr val="000000"/>
+                </a:solidFill>
+                <a:latin typeface="Arial"/>
+              </a:rPr>
+              <a:t>+</a:t>
+            </a:r>
+            <a:endParaRPr b="0" lang="en-US" sz="1400" spc="-1" strike="noStrike">
+              <a:solidFill>
+                <a:srgbClr val="000000"/>
+              </a:solidFill>
+              <a:latin typeface="Arial"/>
+            </a:endParaRPr>
+          </a:p>
+        </p:txBody>
+      </p:sp>
     </p:spTree>
   </p:cSld>
   <mc:AlternateContent>
